--- a/POO/1.Définition/P1-Définition de POO/A2-POO/Tâche 2/Anouar Oumansour/Programmation Orienté Objet.pptx
+++ b/POO/1.Définition/P1-Définition de POO/A2-POO/Tâche 2/Anouar Oumansour/Programmation Orienté Objet.pptx
@@ -831,7 +831,8 @@
           <a:p>
             <a:fld id="{01451F1C-D27A-451D-AC87-C472DA867A89}" type="datetimeFigureOut">
               <a:rPr lang="en-US" smtClean="0"/>
-              <a:t>11/21/2019</a:t>
+              <a:pPr/>
+              <a:t>11/26/2019</a:t>
             </a:fld>
             <a:endParaRPr lang="en-US"/>
           </a:p>
@@ -873,7 +874,8 @@
           <a:p>
             <a:fld id="{A97A3076-550F-4989-9050-6C9315AF7A36}" type="slidenum">
               <a:rPr lang="en-US" smtClean="0"/>
-              <a:t>‹#›</a:t>
+              <a:pPr/>
+              <a:t>‹N°›</a:t>
             </a:fld>
             <a:endParaRPr lang="en-US"/>
           </a:p>
@@ -882,7 +884,7 @@
     </p:spTree>
     <p:extLst>
       <p:ext uri="{BB962C8B-B14F-4D97-AF65-F5344CB8AC3E}">
-        <p14:creationId xmlns:p14="http://schemas.microsoft.com/office/powerpoint/2010/main" val="32971177"/>
+        <p14:creationId xmlns:p14="http://schemas.microsoft.com/office/powerpoint/2010/main" xmlns="" val="32971177"/>
       </p:ext>
     </p:extLst>
   </p:cSld>
@@ -1082,7 +1084,8 @@
           <a:p>
             <a:fld id="{01451F1C-D27A-451D-AC87-C472DA867A89}" type="datetimeFigureOut">
               <a:rPr lang="en-US" smtClean="0"/>
-              <a:t>11/21/2019</a:t>
+              <a:pPr/>
+              <a:t>11/26/2019</a:t>
             </a:fld>
             <a:endParaRPr lang="en-US"/>
           </a:p>
@@ -1124,7 +1127,8 @@
           <a:p>
             <a:fld id="{A97A3076-550F-4989-9050-6C9315AF7A36}" type="slidenum">
               <a:rPr lang="en-US" smtClean="0"/>
-              <a:t>‹#›</a:t>
+              <a:pPr/>
+              <a:t>‹N°›</a:t>
             </a:fld>
             <a:endParaRPr lang="en-US"/>
           </a:p>
@@ -1133,7 +1137,7 @@
     </p:spTree>
     <p:extLst>
       <p:ext uri="{BB962C8B-B14F-4D97-AF65-F5344CB8AC3E}">
-        <p14:creationId xmlns:p14="http://schemas.microsoft.com/office/powerpoint/2010/main" val="2484278727"/>
+        <p14:creationId xmlns:p14="http://schemas.microsoft.com/office/powerpoint/2010/main" xmlns="" val="2484278727"/>
       </p:ext>
     </p:extLst>
   </p:cSld>
@@ -1396,7 +1400,8 @@
           <a:p>
             <a:fld id="{01451F1C-D27A-451D-AC87-C472DA867A89}" type="datetimeFigureOut">
               <a:rPr lang="en-US" smtClean="0"/>
-              <a:t>11/21/2019</a:t>
+              <a:pPr/>
+              <a:t>11/26/2019</a:t>
             </a:fld>
             <a:endParaRPr lang="en-US"/>
           </a:p>
@@ -1438,7 +1443,8 @@
           <a:p>
             <a:fld id="{A97A3076-550F-4989-9050-6C9315AF7A36}" type="slidenum">
               <a:rPr lang="en-US" smtClean="0"/>
-              <a:t>‹#›</a:t>
+              <a:pPr/>
+              <a:t>‹N°›</a:t>
             </a:fld>
             <a:endParaRPr lang="en-US"/>
           </a:p>
@@ -1537,7 +1543,7 @@
     </p:spTree>
     <p:extLst>
       <p:ext uri="{BB962C8B-B14F-4D97-AF65-F5344CB8AC3E}">
-        <p14:creationId xmlns:p14="http://schemas.microsoft.com/office/powerpoint/2010/main" val="2489359152"/>
+        <p14:creationId xmlns:p14="http://schemas.microsoft.com/office/powerpoint/2010/main" xmlns="" val="2489359152"/>
       </p:ext>
     </p:extLst>
   </p:cSld>
@@ -1737,7 +1743,8 @@
           <a:p>
             <a:fld id="{01451F1C-D27A-451D-AC87-C472DA867A89}" type="datetimeFigureOut">
               <a:rPr lang="en-US" smtClean="0"/>
-              <a:t>11/21/2019</a:t>
+              <a:pPr/>
+              <a:t>11/26/2019</a:t>
             </a:fld>
             <a:endParaRPr lang="en-US"/>
           </a:p>
@@ -1779,7 +1786,8 @@
           <a:p>
             <a:fld id="{A97A3076-550F-4989-9050-6C9315AF7A36}" type="slidenum">
               <a:rPr lang="en-US" smtClean="0"/>
-              <a:t>‹#›</a:t>
+              <a:pPr/>
+              <a:t>‹N°›</a:t>
             </a:fld>
             <a:endParaRPr lang="en-US"/>
           </a:p>
@@ -1788,7 +1796,7 @@
     </p:spTree>
     <p:extLst>
       <p:ext uri="{BB962C8B-B14F-4D97-AF65-F5344CB8AC3E}">
-        <p14:creationId xmlns:p14="http://schemas.microsoft.com/office/powerpoint/2010/main" val="2942614852"/>
+        <p14:creationId xmlns:p14="http://schemas.microsoft.com/office/powerpoint/2010/main" xmlns="" val="2942614852"/>
       </p:ext>
     </p:extLst>
   </p:cSld>
@@ -2051,7 +2059,8 @@
           <a:p>
             <a:fld id="{01451F1C-D27A-451D-AC87-C472DA867A89}" type="datetimeFigureOut">
               <a:rPr lang="en-US" smtClean="0"/>
-              <a:t>11/21/2019</a:t>
+              <a:pPr/>
+              <a:t>11/26/2019</a:t>
             </a:fld>
             <a:endParaRPr lang="en-US"/>
           </a:p>
@@ -2093,7 +2102,8 @@
           <a:p>
             <a:fld id="{A97A3076-550F-4989-9050-6C9315AF7A36}" type="slidenum">
               <a:rPr lang="en-US" smtClean="0"/>
-              <a:t>‹#›</a:t>
+              <a:pPr/>
+              <a:t>‹N°›</a:t>
             </a:fld>
             <a:endParaRPr lang="en-US"/>
           </a:p>
@@ -2184,7 +2194,7 @@
     </p:spTree>
     <p:extLst>
       <p:ext uri="{BB962C8B-B14F-4D97-AF65-F5344CB8AC3E}">
-        <p14:creationId xmlns:p14="http://schemas.microsoft.com/office/powerpoint/2010/main" val="248937751"/>
+        <p14:creationId xmlns:p14="http://schemas.microsoft.com/office/powerpoint/2010/main" xmlns="" val="248937751"/>
       </p:ext>
     </p:extLst>
   </p:cSld>
@@ -2444,7 +2454,8 @@
           <a:p>
             <a:fld id="{01451F1C-D27A-451D-AC87-C472DA867A89}" type="datetimeFigureOut">
               <a:rPr lang="en-US" smtClean="0"/>
-              <a:t>11/21/2019</a:t>
+              <a:pPr/>
+              <a:t>11/26/2019</a:t>
             </a:fld>
             <a:endParaRPr lang="en-US"/>
           </a:p>
@@ -2486,7 +2497,8 @@
           <a:p>
             <a:fld id="{A97A3076-550F-4989-9050-6C9315AF7A36}" type="slidenum">
               <a:rPr lang="en-US" smtClean="0"/>
-              <a:t>‹#›</a:t>
+              <a:pPr/>
+              <a:t>‹N°›</a:t>
             </a:fld>
             <a:endParaRPr lang="en-US"/>
           </a:p>
@@ -2495,7 +2507,7 @@
     </p:spTree>
     <p:extLst>
       <p:ext uri="{BB962C8B-B14F-4D97-AF65-F5344CB8AC3E}">
-        <p14:creationId xmlns:p14="http://schemas.microsoft.com/office/powerpoint/2010/main" val="1897974486"/>
+        <p14:creationId xmlns:p14="http://schemas.microsoft.com/office/powerpoint/2010/main" xmlns="" val="1897974486"/>
       </p:ext>
     </p:extLst>
   </p:cSld>
@@ -2614,7 +2626,8 @@
           <a:p>
             <a:fld id="{01451F1C-D27A-451D-AC87-C472DA867A89}" type="datetimeFigureOut">
               <a:rPr lang="en-US" smtClean="0"/>
-              <a:t>11/21/2019</a:t>
+              <a:pPr/>
+              <a:t>11/26/2019</a:t>
             </a:fld>
             <a:endParaRPr lang="en-US"/>
           </a:p>
@@ -2656,7 +2669,8 @@
           <a:p>
             <a:fld id="{A97A3076-550F-4989-9050-6C9315AF7A36}" type="slidenum">
               <a:rPr lang="en-US" smtClean="0"/>
-              <a:t>‹#›</a:t>
+              <a:pPr/>
+              <a:t>‹N°›</a:t>
             </a:fld>
             <a:endParaRPr lang="en-US"/>
           </a:p>
@@ -2665,7 +2679,7 @@
     </p:spTree>
     <p:extLst>
       <p:ext uri="{BB962C8B-B14F-4D97-AF65-F5344CB8AC3E}">
-        <p14:creationId xmlns:p14="http://schemas.microsoft.com/office/powerpoint/2010/main" val="2726465208"/>
+        <p14:creationId xmlns:p14="http://schemas.microsoft.com/office/powerpoint/2010/main" xmlns="" val="2726465208"/>
       </p:ext>
     </p:extLst>
   </p:cSld>
@@ -2794,7 +2808,8 @@
           <a:p>
             <a:fld id="{01451F1C-D27A-451D-AC87-C472DA867A89}" type="datetimeFigureOut">
               <a:rPr lang="en-US" smtClean="0"/>
-              <a:t>11/21/2019</a:t>
+              <a:pPr/>
+              <a:t>11/26/2019</a:t>
             </a:fld>
             <a:endParaRPr lang="en-US"/>
           </a:p>
@@ -2836,7 +2851,8 @@
           <a:p>
             <a:fld id="{A97A3076-550F-4989-9050-6C9315AF7A36}" type="slidenum">
               <a:rPr lang="en-US" smtClean="0"/>
-              <a:t>‹#›</a:t>
+              <a:pPr/>
+              <a:t>‹N°›</a:t>
             </a:fld>
             <a:endParaRPr lang="en-US"/>
           </a:p>
@@ -2845,7 +2861,7 @@
     </p:spTree>
     <p:extLst>
       <p:ext uri="{BB962C8B-B14F-4D97-AF65-F5344CB8AC3E}">
-        <p14:creationId xmlns:p14="http://schemas.microsoft.com/office/powerpoint/2010/main" val="839142516"/>
+        <p14:creationId xmlns:p14="http://schemas.microsoft.com/office/powerpoint/2010/main" xmlns="" val="839142516"/>
       </p:ext>
     </p:extLst>
   </p:cSld>
@@ -2970,7 +2986,8 @@
           <a:p>
             <a:fld id="{01451F1C-D27A-451D-AC87-C472DA867A89}" type="datetimeFigureOut">
               <a:rPr lang="en-US" smtClean="0"/>
-              <a:t>11/21/2019</a:t>
+              <a:pPr/>
+              <a:t>11/26/2019</a:t>
             </a:fld>
             <a:endParaRPr lang="en-US"/>
           </a:p>
@@ -3012,7 +3029,8 @@
           <a:p>
             <a:fld id="{A97A3076-550F-4989-9050-6C9315AF7A36}" type="slidenum">
               <a:rPr lang="en-US" smtClean="0"/>
-              <a:t>‹#›</a:t>
+              <a:pPr/>
+              <a:t>‹N°›</a:t>
             </a:fld>
             <a:endParaRPr lang="en-US"/>
           </a:p>
@@ -3021,7 +3039,7 @@
     </p:spTree>
     <p:extLst>
       <p:ext uri="{BB962C8B-B14F-4D97-AF65-F5344CB8AC3E}">
-        <p14:creationId xmlns:p14="http://schemas.microsoft.com/office/powerpoint/2010/main" val="215244090"/>
+        <p14:creationId xmlns:p14="http://schemas.microsoft.com/office/powerpoint/2010/main" xmlns="" val="215244090"/>
       </p:ext>
     </p:extLst>
   </p:cSld>
@@ -3217,7 +3235,8 @@
           <a:p>
             <a:fld id="{01451F1C-D27A-451D-AC87-C472DA867A89}" type="datetimeFigureOut">
               <a:rPr lang="en-US" smtClean="0"/>
-              <a:t>11/21/2019</a:t>
+              <a:pPr/>
+              <a:t>11/26/2019</a:t>
             </a:fld>
             <a:endParaRPr lang="en-US"/>
           </a:p>
@@ -3259,7 +3278,8 @@
           <a:p>
             <a:fld id="{A97A3076-550F-4989-9050-6C9315AF7A36}" type="slidenum">
               <a:rPr lang="en-US" smtClean="0"/>
-              <a:t>‹#›</a:t>
+              <a:pPr/>
+              <a:t>‹N°›</a:t>
             </a:fld>
             <a:endParaRPr lang="en-US"/>
           </a:p>
@@ -3268,7 +3288,7 @@
     </p:spTree>
     <p:extLst>
       <p:ext uri="{BB962C8B-B14F-4D97-AF65-F5344CB8AC3E}">
-        <p14:creationId xmlns:p14="http://schemas.microsoft.com/office/powerpoint/2010/main" val="3010042795"/>
+        <p14:creationId xmlns:p14="http://schemas.microsoft.com/office/powerpoint/2010/main" xmlns="" val="3010042795"/>
       </p:ext>
     </p:extLst>
   </p:cSld>
@@ -3449,7 +3469,8 @@
           <a:p>
             <a:fld id="{01451F1C-D27A-451D-AC87-C472DA867A89}" type="datetimeFigureOut">
               <a:rPr lang="en-US" smtClean="0"/>
-              <a:t>11/21/2019</a:t>
+              <a:pPr/>
+              <a:t>11/26/2019</a:t>
             </a:fld>
             <a:endParaRPr lang="en-US"/>
           </a:p>
@@ -3491,7 +3512,8 @@
           <a:p>
             <a:fld id="{A97A3076-550F-4989-9050-6C9315AF7A36}" type="slidenum">
               <a:rPr lang="en-US" smtClean="0"/>
-              <a:t>‹#›</a:t>
+              <a:pPr/>
+              <a:t>‹N°›</a:t>
             </a:fld>
             <a:endParaRPr lang="en-US"/>
           </a:p>
@@ -3500,7 +3522,7 @@
     </p:spTree>
     <p:extLst>
       <p:ext uri="{BB962C8B-B14F-4D97-AF65-F5344CB8AC3E}">
-        <p14:creationId xmlns:p14="http://schemas.microsoft.com/office/powerpoint/2010/main" val="1390280102"/>
+        <p14:creationId xmlns:p14="http://schemas.microsoft.com/office/powerpoint/2010/main" xmlns="" val="1390280102"/>
       </p:ext>
     </p:extLst>
   </p:cSld>
@@ -3823,7 +3845,8 @@
           <a:p>
             <a:fld id="{01451F1C-D27A-451D-AC87-C472DA867A89}" type="datetimeFigureOut">
               <a:rPr lang="en-US" smtClean="0"/>
-              <a:t>11/21/2019</a:t>
+              <a:pPr/>
+              <a:t>11/26/2019</a:t>
             </a:fld>
             <a:endParaRPr lang="en-US"/>
           </a:p>
@@ -3865,7 +3888,8 @@
           <a:p>
             <a:fld id="{A97A3076-550F-4989-9050-6C9315AF7A36}" type="slidenum">
               <a:rPr lang="en-US" smtClean="0"/>
-              <a:t>‹#›</a:t>
+              <a:pPr/>
+              <a:t>‹N°›</a:t>
             </a:fld>
             <a:endParaRPr lang="en-US"/>
           </a:p>
@@ -3874,7 +3898,7 @@
     </p:spTree>
     <p:extLst>
       <p:ext uri="{BB962C8B-B14F-4D97-AF65-F5344CB8AC3E}">
-        <p14:creationId xmlns:p14="http://schemas.microsoft.com/office/powerpoint/2010/main" val="3016768100"/>
+        <p14:creationId xmlns:p14="http://schemas.microsoft.com/office/powerpoint/2010/main" xmlns="" val="3016768100"/>
       </p:ext>
     </p:extLst>
   </p:cSld>
@@ -3946,7 +3970,8 @@
           <a:p>
             <a:fld id="{01451F1C-D27A-451D-AC87-C472DA867A89}" type="datetimeFigureOut">
               <a:rPr lang="en-US" smtClean="0"/>
-              <a:t>11/21/2019</a:t>
+              <a:pPr/>
+              <a:t>11/26/2019</a:t>
             </a:fld>
             <a:endParaRPr lang="en-US"/>
           </a:p>
@@ -3988,7 +4013,8 @@
           <a:p>
             <a:fld id="{A97A3076-550F-4989-9050-6C9315AF7A36}" type="slidenum">
               <a:rPr lang="en-US" smtClean="0"/>
-              <a:t>‹#›</a:t>
+              <a:pPr/>
+              <a:t>‹N°›</a:t>
             </a:fld>
             <a:endParaRPr lang="en-US"/>
           </a:p>
@@ -3997,7 +4023,7 @@
     </p:spTree>
     <p:extLst>
       <p:ext uri="{BB962C8B-B14F-4D97-AF65-F5344CB8AC3E}">
-        <p14:creationId xmlns:p14="http://schemas.microsoft.com/office/powerpoint/2010/main" val="3897266397"/>
+        <p14:creationId xmlns:p14="http://schemas.microsoft.com/office/powerpoint/2010/main" xmlns="" val="3897266397"/>
       </p:ext>
     </p:extLst>
   </p:cSld>
@@ -4041,7 +4067,8 @@
           <a:p>
             <a:fld id="{01451F1C-D27A-451D-AC87-C472DA867A89}" type="datetimeFigureOut">
               <a:rPr lang="en-US" smtClean="0"/>
-              <a:t>11/21/2019</a:t>
+              <a:pPr/>
+              <a:t>11/26/2019</a:t>
             </a:fld>
             <a:endParaRPr lang="en-US"/>
           </a:p>
@@ -4083,7 +4110,8 @@
           <a:p>
             <a:fld id="{A97A3076-550F-4989-9050-6C9315AF7A36}" type="slidenum">
               <a:rPr lang="en-US" smtClean="0"/>
-              <a:t>‹#›</a:t>
+              <a:pPr/>
+              <a:t>‹N°›</a:t>
             </a:fld>
             <a:endParaRPr lang="en-US"/>
           </a:p>
@@ -4092,7 +4120,7 @@
     </p:spTree>
     <p:extLst>
       <p:ext uri="{BB962C8B-B14F-4D97-AF65-F5344CB8AC3E}">
-        <p14:creationId xmlns:p14="http://schemas.microsoft.com/office/powerpoint/2010/main" val="81224937"/>
+        <p14:creationId xmlns:p14="http://schemas.microsoft.com/office/powerpoint/2010/main" xmlns="" val="81224937"/>
       </p:ext>
     </p:extLst>
   </p:cSld>
@@ -4296,7 +4324,8 @@
           <a:p>
             <a:fld id="{01451F1C-D27A-451D-AC87-C472DA867A89}" type="datetimeFigureOut">
               <a:rPr lang="en-US" smtClean="0"/>
-              <a:t>11/21/2019</a:t>
+              <a:pPr/>
+              <a:t>11/26/2019</a:t>
             </a:fld>
             <a:endParaRPr lang="en-US"/>
           </a:p>
@@ -4338,7 +4367,8 @@
           <a:p>
             <a:fld id="{A97A3076-550F-4989-9050-6C9315AF7A36}" type="slidenum">
               <a:rPr lang="en-US" smtClean="0"/>
-              <a:t>‹#›</a:t>
+              <a:pPr/>
+              <a:t>‹N°›</a:t>
             </a:fld>
             <a:endParaRPr lang="en-US"/>
           </a:p>
@@ -4347,7 +4377,7 @@
     </p:spTree>
     <p:extLst>
       <p:ext uri="{BB962C8B-B14F-4D97-AF65-F5344CB8AC3E}">
-        <p14:creationId xmlns:p14="http://schemas.microsoft.com/office/powerpoint/2010/main" val="2184638968"/>
+        <p14:creationId xmlns:p14="http://schemas.microsoft.com/office/powerpoint/2010/main" xmlns="" val="2184638968"/>
       </p:ext>
     </p:extLst>
   </p:cSld>
@@ -4559,7 +4589,8 @@
           <a:p>
             <a:fld id="{01451F1C-D27A-451D-AC87-C472DA867A89}" type="datetimeFigureOut">
               <a:rPr lang="en-US" smtClean="0"/>
-              <a:t>11/21/2019</a:t>
+              <a:pPr/>
+              <a:t>11/26/2019</a:t>
             </a:fld>
             <a:endParaRPr lang="en-US"/>
           </a:p>
@@ -4601,7 +4632,8 @@
           <a:p>
             <a:fld id="{A97A3076-550F-4989-9050-6C9315AF7A36}" type="slidenum">
               <a:rPr lang="en-US" smtClean="0"/>
-              <a:t>‹#›</a:t>
+              <a:pPr/>
+              <a:t>‹N°›</a:t>
             </a:fld>
             <a:endParaRPr lang="en-US"/>
           </a:p>
@@ -4610,7 +4642,7 @@
     </p:spTree>
     <p:extLst>
       <p:ext uri="{BB962C8B-B14F-4D97-AF65-F5344CB8AC3E}">
-        <p14:creationId xmlns:p14="http://schemas.microsoft.com/office/powerpoint/2010/main" val="1133118327"/>
+        <p14:creationId xmlns:p14="http://schemas.microsoft.com/office/powerpoint/2010/main" xmlns="" val="1133118327"/>
       </p:ext>
     </p:extLst>
   </p:cSld>
@@ -5302,7 +5334,8 @@
           <a:p>
             <a:fld id="{01451F1C-D27A-451D-AC87-C472DA867A89}" type="datetimeFigureOut">
               <a:rPr lang="en-US" smtClean="0"/>
-              <a:t>11/21/2019</a:t>
+              <a:pPr/>
+              <a:t>11/26/2019</a:t>
             </a:fld>
             <a:endParaRPr lang="en-US"/>
           </a:p>
@@ -5378,7 +5411,8 @@
           <a:p>
             <a:fld id="{A97A3076-550F-4989-9050-6C9315AF7A36}" type="slidenum">
               <a:rPr lang="en-US" smtClean="0"/>
-              <a:t>‹#›</a:t>
+              <a:pPr/>
+              <a:t>‹N°›</a:t>
             </a:fld>
             <a:endParaRPr lang="en-US"/>
           </a:p>
@@ -5387,7 +5421,7 @@
     </p:spTree>
     <p:extLst>
       <p:ext uri="{BB962C8B-B14F-4D97-AF65-F5344CB8AC3E}">
-        <p14:creationId xmlns:p14="http://schemas.microsoft.com/office/powerpoint/2010/main" val="2881557864"/>
+        <p14:creationId xmlns:p14="http://schemas.microsoft.com/office/powerpoint/2010/main" xmlns="" val="2881557864"/>
       </p:ext>
     </p:extLst>
   </p:cSld>
@@ -5831,7 +5865,7 @@
           <p:cNvPr id="2" name="Title 1">
             <a:extLst>
               <a:ext uri="{FF2B5EF4-FFF2-40B4-BE49-F238E27FC236}">
-                <a16:creationId xmlns:a16="http://schemas.microsoft.com/office/drawing/2014/main" id="{C0D006B3-B877-404A-A2A7-D2FFE987D52C}"/>
+                <a16:creationId xmlns:a16="http://schemas.microsoft.com/office/drawing/2014/main" xmlns="" id="{C0D006B3-B877-404A-A2A7-D2FFE987D52C}"/>
               </a:ext>
             </a:extLst>
           </p:cNvPr>
@@ -5860,7 +5894,7 @@
           <p:cNvPr id="3" name="Subtitle 2">
             <a:extLst>
               <a:ext uri="{FF2B5EF4-FFF2-40B4-BE49-F238E27FC236}">
-                <a16:creationId xmlns:a16="http://schemas.microsoft.com/office/drawing/2014/main" id="{11A6FE04-4BEF-445D-AFC7-DAC46C47A703}"/>
+                <a16:creationId xmlns:a16="http://schemas.microsoft.com/office/drawing/2014/main" xmlns="" id="{11A6FE04-4BEF-445D-AFC7-DAC46C47A703}"/>
               </a:ext>
             </a:extLst>
           </p:cNvPr>
@@ -5891,13 +5925,20 @@
     </p:spTree>
     <p:extLst>
       <p:ext uri="{BB962C8B-B14F-4D97-AF65-F5344CB8AC3E}">
-        <p14:creationId xmlns:p14="http://schemas.microsoft.com/office/powerpoint/2010/main" val="930637978"/>
+        <p14:creationId xmlns:p14="http://schemas.microsoft.com/office/powerpoint/2010/main" xmlns="" val="930637978"/>
       </p:ext>
     </p:extLst>
   </p:cSld>
   <p:clrMapOvr>
     <a:masterClrMapping/>
   </p:clrMapOvr>
+  <p:timing>
+    <p:tnLst>
+      <p:par>
+        <p:cTn id="1" dur="indefinite" restart="never" nodeType="tmRoot"/>
+      </p:par>
+    </p:tnLst>
+  </p:timing>
 </p:sld>
 </file>
 
@@ -5923,7 +5964,7 @@
           <p:cNvPr id="2" name="Title 1">
             <a:extLst>
               <a:ext uri="{FF2B5EF4-FFF2-40B4-BE49-F238E27FC236}">
-                <a16:creationId xmlns:a16="http://schemas.microsoft.com/office/drawing/2014/main" id="{26C0897F-818C-4980-B6F0-5C848E42A1CC}"/>
+                <a16:creationId xmlns:a16="http://schemas.microsoft.com/office/drawing/2014/main" xmlns="" id="{26C0897F-818C-4980-B6F0-5C848E42A1CC}"/>
               </a:ext>
             </a:extLst>
           </p:cNvPr>
@@ -5956,7 +5997,7 @@
           <p:cNvPr id="3" name="Content Placeholder 2">
             <a:extLst>
               <a:ext uri="{FF2B5EF4-FFF2-40B4-BE49-F238E27FC236}">
-                <a16:creationId xmlns:a16="http://schemas.microsoft.com/office/drawing/2014/main" id="{DCB0FB9D-C652-461B-86E2-C804576F0C46}"/>
+                <a16:creationId xmlns:a16="http://schemas.microsoft.com/office/drawing/2014/main" xmlns="" id="{DCB0FB9D-C652-461B-86E2-C804576F0C46}"/>
               </a:ext>
             </a:extLst>
           </p:cNvPr>
@@ -5993,13 +6034,20 @@
     </p:spTree>
     <p:extLst>
       <p:ext uri="{BB962C8B-B14F-4D97-AF65-F5344CB8AC3E}">
-        <p14:creationId xmlns:p14="http://schemas.microsoft.com/office/powerpoint/2010/main" val="436246344"/>
+        <p14:creationId xmlns:p14="http://schemas.microsoft.com/office/powerpoint/2010/main" xmlns="" val="436246344"/>
       </p:ext>
     </p:extLst>
   </p:cSld>
   <p:clrMapOvr>
     <a:masterClrMapping/>
   </p:clrMapOvr>
+  <p:timing>
+    <p:tnLst>
+      <p:par>
+        <p:cTn id="1" dur="indefinite" restart="never" nodeType="tmRoot"/>
+      </p:par>
+    </p:tnLst>
+  </p:timing>
 </p:sld>
 </file>
 
@@ -6025,7 +6073,7 @@
           <p:cNvPr id="2" name="Title 1">
             <a:extLst>
               <a:ext uri="{FF2B5EF4-FFF2-40B4-BE49-F238E27FC236}">
-                <a16:creationId xmlns:a16="http://schemas.microsoft.com/office/drawing/2014/main" id="{395F862A-E24F-470D-B695-5602D0AD31D7}"/>
+                <a16:creationId xmlns:a16="http://schemas.microsoft.com/office/drawing/2014/main" xmlns="" id="{395F862A-E24F-470D-B695-5602D0AD31D7}"/>
               </a:ext>
             </a:extLst>
           </p:cNvPr>
@@ -6054,7 +6102,7 @@
           <p:cNvPr id="3" name="Content Placeholder 2">
             <a:extLst>
               <a:ext uri="{FF2B5EF4-FFF2-40B4-BE49-F238E27FC236}">
-                <a16:creationId xmlns:a16="http://schemas.microsoft.com/office/drawing/2014/main" id="{7584A555-BBE4-4E0B-99F0-094278F01192}"/>
+                <a16:creationId xmlns:a16="http://schemas.microsoft.com/office/drawing/2014/main" xmlns="" id="{7584A555-BBE4-4E0B-99F0-094278F01192}"/>
               </a:ext>
             </a:extLst>
           </p:cNvPr>
@@ -6079,15 +6127,10 @@
           </a:p>
           <a:p>
             <a:r>
-              <a:rPr lang="fr-FR" sz="2800" dirty="0"/>
-              <a:t>Centrée</a:t>
-            </a:r>
-          </a:p>
-          <a:p>
-            <a:r>
-              <a:rPr lang="fr-FR" sz="2800" dirty="0"/>
-              <a:t>Identifier</a:t>
-            </a:r>
+              <a:rPr lang="fr-FR" sz="2800" dirty="0" smtClean="0"/>
+              <a:t>Identifient</a:t>
+            </a:r>
+            <a:endParaRPr lang="fr-FR" sz="2800" dirty="0"/>
           </a:p>
           <a:p>
             <a:r>
@@ -6107,13 +6150,20 @@
     </p:spTree>
     <p:extLst>
       <p:ext uri="{BB962C8B-B14F-4D97-AF65-F5344CB8AC3E}">
-        <p14:creationId xmlns:p14="http://schemas.microsoft.com/office/powerpoint/2010/main" val="2688339613"/>
+        <p14:creationId xmlns:p14="http://schemas.microsoft.com/office/powerpoint/2010/main" xmlns="" val="2688339613"/>
       </p:ext>
     </p:extLst>
   </p:cSld>
   <p:clrMapOvr>
     <a:masterClrMapping/>
   </p:clrMapOvr>
+  <p:timing>
+    <p:tnLst>
+      <p:par>
+        <p:cTn id="1" dur="indefinite" restart="never" nodeType="tmRoot"/>
+      </p:par>
+    </p:tnLst>
+  </p:timing>
 </p:sld>
 </file>
 
@@ -6160,7 +6210,7 @@
     </a:clrScheme>
     <a:fontScheme name="Facet">
       <a:majorFont>
-        <a:latin typeface="Trebuchet MS" panose="020B0603020202020204"/>
+        <a:latin typeface="Trebuchet MS"/>
         <a:ea typeface=""/>
         <a:cs typeface=""/>
         <a:font script="Jpan" typeface="メイリオ"/>
@@ -6195,7 +6245,7 @@
         <a:font script="Geor" typeface="Sylfaen"/>
       </a:majorFont>
       <a:minorFont>
-        <a:latin typeface="Trebuchet MS" panose="020B0603020202020204"/>
+        <a:latin typeface="Trebuchet MS"/>
         <a:ea typeface=""/>
         <a:cs typeface=""/>
         <a:font script="Jpan" typeface="メイリオ"/>
@@ -6368,7 +6418,7 @@
   <a:extraClrSchemeLst/>
   <a:extLst>
     <a:ext uri="{05A4C25C-085E-4340-85A3-A5531E510DB2}">
-      <thm15:themeFamily xmlns:thm15="http://schemas.microsoft.com/office/thememl/2012/main" name="Facet" id="{C0C680CD-088A-49FC-A102-D699147F32B2}" vid="{CFBC31BA-B70F-4F30-BCAA-4F3011E16C4D}"/>
+      <thm15:themeFamily xmlns:thm15="http://schemas.microsoft.com/office/thememl/2012/main" xmlns="" name="Facet" id="{C0C680CD-088A-49FC-A102-D699147F32B2}" vid="{CFBC31BA-B70F-4F30-BCAA-4F3011E16C4D}"/>
     </a:ext>
   </a:extLst>
 </a:theme>
